--- a/docs/Бакытбек_уулу_Презентация.pptx
+++ b/docs/Бакытбек_уулу_Презентация.pptx
@@ -5,7 +5,7 @@
     <p:sldMasterId id="2147483659" r:id="rId1"/>
   </p:sldMasterIdLst>
   <p:notesMasterIdLst>
-    <p:notesMasterId r:id="rId17"/>
+    <p:notesMasterId r:id="rId18"/>
   </p:notesMasterIdLst>
   <p:sldIdLst>
     <p:sldId id="256" r:id="rId2"/>
@@ -22,24 +22,25 @@
     <p:sldId id="276" r:id="rId13"/>
     <p:sldId id="275" r:id="rId14"/>
     <p:sldId id="278" r:id="rId15"/>
-    <p:sldId id="265" r:id="rId16"/>
+    <p:sldId id="280" r:id="rId16"/>
+    <p:sldId id="265" r:id="rId17"/>
   </p:sldIdLst>
   <p:sldSz cx="9144000" cy="5143500" type="screen16x9"/>
   <p:notesSz cx="6858000" cy="9144000"/>
   <p:embeddedFontLst>
     <p:embeddedFont>
       <p:font typeface="Calibri" panose="020F0502020204030204" pitchFamily="34" charset="0"/>
-      <p:regular r:id="rId18"/>
-      <p:bold r:id="rId19"/>
-      <p:italic r:id="rId20"/>
-      <p:boldItalic r:id="rId21"/>
+      <p:regular r:id="rId19"/>
+      <p:bold r:id="rId20"/>
+      <p:italic r:id="rId21"/>
+      <p:boldItalic r:id="rId22"/>
     </p:embeddedFont>
     <p:embeddedFont>
       <p:font typeface="Roboto" panose="02000000000000000000" pitchFamily="2" charset="0"/>
-      <p:regular r:id="rId22"/>
-      <p:bold r:id="rId23"/>
-      <p:italic r:id="rId24"/>
-      <p:boldItalic r:id="rId25"/>
+      <p:regular r:id="rId23"/>
+      <p:bold r:id="rId24"/>
+      <p:italic r:id="rId25"/>
+      <p:boldItalic r:id="rId26"/>
     </p:embeddedFont>
   </p:embeddedFontLst>
   <p:defaultTextStyle>
@@ -1381,6 +1382,115 @@
 </file>
 
 <file path=ppt/notesSlides/notesSlide15.xml><?xml version="1.0" encoding="utf-8"?>
+<p:notes xmlns:a="http://schemas.openxmlformats.org/drawingml/2006/main" xmlns:r="http://schemas.openxmlformats.org/officeDocument/2006/relationships" xmlns:p="http://schemas.openxmlformats.org/presentationml/2006/main" showMasterSp="0" showMasterPhAnim="0">
+  <p:cSld>
+    <p:spTree>
+      <p:nvGrpSpPr>
+        <p:cNvPr id="1" name="Shape 58"/>
+        <p:cNvGrpSpPr/>
+        <p:nvPr/>
+      </p:nvGrpSpPr>
+      <p:grpSpPr>
+        <a:xfrm>
+          <a:off x="0" y="0"/>
+          <a:ext cx="0" cy="0"/>
+          <a:chOff x="0" y="0"/>
+          <a:chExt cx="0" cy="0"/>
+        </a:xfrm>
+      </p:grpSpPr>
+      <p:sp>
+        <p:nvSpPr>
+          <p:cNvPr id="59" name="Google Shape;59;g9210d6813f_0_2:notes"/>
+          <p:cNvSpPr>
+            <a:spLocks noGrp="1" noRot="1" noChangeAspect="1"/>
+          </p:cNvSpPr>
+          <p:nvPr>
+            <p:ph type="sldImg" idx="2"/>
+          </p:nvPr>
+        </p:nvSpPr>
+        <p:spPr>
+          <a:xfrm>
+            <a:off x="381000" y="685800"/>
+            <a:ext cx="6096000" cy="3429000"/>
+          </a:xfrm>
+          <a:custGeom>
+            <a:avLst/>
+            <a:gdLst/>
+            <a:ahLst/>
+            <a:cxnLst/>
+            <a:rect l="l" t="t" r="r" b="b"/>
+            <a:pathLst>
+              <a:path w="120000" h="120000" extrusionOk="0">
+                <a:moveTo>
+                  <a:pt x="0" y="0"/>
+                </a:moveTo>
+                <a:lnTo>
+                  <a:pt x="120000" y="0"/>
+                </a:lnTo>
+                <a:lnTo>
+                  <a:pt x="120000" y="120000"/>
+                </a:lnTo>
+                <a:lnTo>
+                  <a:pt x="0" y="120000"/>
+                </a:lnTo>
+                <a:close/>
+              </a:path>
+            </a:pathLst>
+          </a:custGeom>
+        </p:spPr>
+      </p:sp>
+      <p:sp>
+        <p:nvSpPr>
+          <p:cNvPr id="60" name="Google Shape;60;g9210d6813f_0_2:notes"/>
+          <p:cNvSpPr txBox="1">
+            <a:spLocks noGrp="1"/>
+          </p:cNvSpPr>
+          <p:nvPr>
+            <p:ph type="body" idx="1"/>
+          </p:nvPr>
+        </p:nvSpPr>
+        <p:spPr>
+          <a:xfrm>
+            <a:off x="685800" y="4343400"/>
+            <a:ext cx="5486400" cy="4114800"/>
+          </a:xfrm>
+          <a:prstGeom prst="rect">
+            <a:avLst/>
+          </a:prstGeom>
+        </p:spPr>
+        <p:txBody>
+          <a:bodyPr spcFirstLastPara="1" wrap="square" lIns="91425" tIns="91425" rIns="91425" bIns="91425" anchor="t" anchorCtr="0">
+            <a:noAutofit/>
+          </a:bodyPr>
+          <a:lstStyle/>
+          <a:p>
+            <a:pPr marL="0" lvl="0" indent="0" algn="l" rtl="0">
+              <a:spcBef>
+                <a:spcPts val="0"/>
+              </a:spcBef>
+              <a:spcAft>
+                <a:spcPts val="0"/>
+              </a:spcAft>
+              <a:buNone/>
+            </a:pPr>
+            <a:endParaRPr/>
+          </a:p>
+        </p:txBody>
+      </p:sp>
+    </p:spTree>
+    <p:extLst>
+      <p:ext uri="{BB962C8B-B14F-4D97-AF65-F5344CB8AC3E}">
+        <p14:creationId xmlns:p14="http://schemas.microsoft.com/office/powerpoint/2010/main" val="381336815"/>
+      </p:ext>
+    </p:extLst>
+  </p:cSld>
+  <p:clrMapOvr>
+    <a:masterClrMapping/>
+  </p:clrMapOvr>
+</p:notes>
+</file>
+
+<file path=ppt/notesSlides/notesSlide16.xml><?xml version="1.0" encoding="utf-8"?>
 <p:notes xmlns:a="http://schemas.openxmlformats.org/drawingml/2006/main" xmlns:r="http://schemas.openxmlformats.org/officeDocument/2006/relationships" xmlns:p="http://schemas.openxmlformats.org/presentationml/2006/main" showMasterSp="0" showMasterPhAnim="0">
   <p:cSld>
     <p:spTree>
@@ -9500,46 +9610,18 @@
           </a:p>
         </p:txBody>
       </p:sp>
-      <p:pic>
-        <p:nvPicPr>
-          <p:cNvPr id="63" name="Google Shape;63;p14"/>
-          <p:cNvPicPr preferRelativeResize="0"/>
-          <p:nvPr/>
-        </p:nvPicPr>
-        <p:blipFill>
-          <a:blip r:embed="rId3">
-            <a:alphaModFix/>
-          </a:blip>
-          <a:stretch>
-            <a:fillRect/>
-          </a:stretch>
-        </p:blipFill>
-        <p:spPr>
-          <a:xfrm>
-            <a:off x="6733509" y="4530975"/>
-            <a:ext cx="2013299" cy="572783"/>
-          </a:xfrm>
-          <a:prstGeom prst="rect">
-            <a:avLst/>
-          </a:prstGeom>
-          <a:noFill/>
-          <a:ln>
-            <a:noFill/>
-          </a:ln>
-        </p:spPr>
-      </p:pic>
       <p:cxnSp>
         <p:nvCxnSpPr>
           <p:cNvPr id="64" name="Google Shape;64;p14"/>
           <p:cNvCxnSpPr>
-            <a:endCxn id="65" idx="2"/>
+            <a:cxnSpLocks/>
           </p:cNvCxnSpPr>
           <p:nvPr/>
         </p:nvCxnSpPr>
         <p:spPr>
           <a:xfrm>
-            <a:off x="-24090" y="693999"/>
-            <a:ext cx="6909900" cy="0"/>
+            <a:off x="-16946" y="693999"/>
+            <a:ext cx="8389421" cy="0"/>
           </a:xfrm>
           <a:prstGeom prst="straightConnector1">
             <a:avLst/>
@@ -9564,7 +9646,7 @@
         </p:nvSpPr>
         <p:spPr>
           <a:xfrm>
-            <a:off x="6885810" y="557049"/>
+            <a:off x="8372475" y="557049"/>
             <a:ext cx="273900" cy="273900"/>
           </a:xfrm>
           <a:prstGeom prst="ellipse">
@@ -9600,53 +9682,6 @@
           </a:p>
         </p:txBody>
       </p:sp>
-      <p:pic>
-        <p:nvPicPr>
-          <p:cNvPr id="7170" name="Picture 2" descr="Cheap Summer Movies Around Seattle: Cool Off at a Bargain Family Film |  ParentMap">
-            <a:extLst>
-              <a:ext uri="{FF2B5EF4-FFF2-40B4-BE49-F238E27FC236}">
-                <a16:creationId xmlns:a16="http://schemas.microsoft.com/office/drawing/2014/main" id="{1E97035B-A48B-9681-B10D-F6F2C9E7841B}"/>
-              </a:ext>
-            </a:extLst>
-          </p:cNvPr>
-          <p:cNvPicPr>
-            <a:picLocks noChangeAspect="1" noChangeArrowheads="1"/>
-          </p:cNvPicPr>
-          <p:nvPr/>
-        </p:nvPicPr>
-        <p:blipFill>
-          <a:blip r:embed="rId4">
-            <a:extLst>
-              <a:ext uri="{28A0092B-C50C-407E-A947-70E740481C1C}">
-                <a14:useLocalDpi xmlns:a14="http://schemas.microsoft.com/office/drawing/2010/main" val="0"/>
-              </a:ext>
-            </a:extLst>
-          </a:blip>
-          <a:srcRect/>
-          <a:stretch>
-            <a:fillRect/>
-          </a:stretch>
-        </p:blipFill>
-        <p:spPr bwMode="auto">
-          <a:xfrm>
-            <a:off x="1907619" y="1269197"/>
-            <a:ext cx="5077619" cy="3109922"/>
-          </a:xfrm>
-          <a:prstGeom prst="rect">
-            <a:avLst/>
-          </a:prstGeom>
-          <a:noFill/>
-          <a:extLst>
-            <a:ext uri="{909E8E84-426E-40DD-AFC4-6F175D3DCCD1}">
-              <a14:hiddenFill xmlns:a14="http://schemas.microsoft.com/office/drawing/2010/main">
-                <a:solidFill>
-                  <a:srgbClr val="FFFFFF"/>
-                </a:solidFill>
-              </a14:hiddenFill>
-            </a:ext>
-          </a:extLst>
-        </p:spPr>
-      </p:pic>
       <p:sp>
         <p:nvSpPr>
           <p:cNvPr id="2" name="Номер слайда 1">
@@ -9685,6 +9720,39 @@
           </a:p>
         </p:txBody>
       </p:sp>
+      <p:pic>
+        <p:nvPicPr>
+          <p:cNvPr id="3" name="Мультимедиа в Интернете 2" title="Notiprice - Spring Boot and React js by Bakytbek uulu Nurzhigit">
+            <a:hlinkClick r:id="" action="ppaction://media"/>
+            <a:extLst>
+              <a:ext uri="{FF2B5EF4-FFF2-40B4-BE49-F238E27FC236}">
+                <a16:creationId xmlns:a16="http://schemas.microsoft.com/office/drawing/2014/main" id="{4591D629-32B1-CE3F-B4A5-B8C34B4AC08C}"/>
+              </a:ext>
+            </a:extLst>
+          </p:cNvPr>
+          <p:cNvPicPr>
+            <a:picLocks noRot="1" noChangeAspect="1"/>
+          </p:cNvPicPr>
+          <p:nvPr>
+            <a:videoFile r:link="rId1"/>
+          </p:nvPr>
+        </p:nvPicPr>
+        <p:blipFill>
+          <a:blip r:embed="rId4"/>
+          <a:stretch>
+            <a:fillRect/>
+          </a:stretch>
+        </p:blipFill>
+        <p:spPr>
+          <a:xfrm>
+            <a:off x="497625" y="796535"/>
+            <a:ext cx="7540323" cy="4260282"/>
+          </a:xfrm>
+          <a:prstGeom prst="rect">
+            <a:avLst/>
+          </a:prstGeom>
+        </p:spPr>
+      </p:pic>
     </p:spTree>
     <p:extLst>
       <p:ext uri="{BB962C8B-B14F-4D97-AF65-F5344CB8AC3E}">
@@ -9695,10 +9763,741 @@
   <p:clrMapOvr>
     <a:masterClrMapping/>
   </p:clrMapOvr>
+  <p:timing>
+    <p:tnLst>
+      <p:par>
+        <p:cTn id="1" dur="indefinite" restart="never" nodeType="tmRoot">
+          <p:childTnLst>
+            <p:seq concurrent="1" nextAc="seek">
+              <p:cTn id="2" dur="indefinite" nodeType="mainSeq">
+                <p:childTnLst>
+                  <p:par>
+                    <p:cTn id="3" fill="hold">
+                      <p:stCondLst>
+                        <p:cond delay="indefinite"/>
+                      </p:stCondLst>
+                      <p:childTnLst>
+                        <p:par>
+                          <p:cTn id="4" fill="hold">
+                            <p:stCondLst>
+                              <p:cond delay="0"/>
+                            </p:stCondLst>
+                            <p:childTnLst>
+                              <p:par>
+                                <p:cTn id="5" presetID="1" presetClass="mediacall" presetSubtype="0" fill="hold" nodeType="clickEffect">
+                                  <p:stCondLst>
+                                    <p:cond delay="0"/>
+                                  </p:stCondLst>
+                                  <p:childTnLst>
+                                    <p:cmd type="call" cmd="playFrom(0.0)">
+                                      <p:cBhvr>
+                                        <p:cTn id="6" dur="1" fill="hold"/>
+                                        <p:tgtEl>
+                                          <p:spTgt spid="3"/>
+                                        </p:tgtEl>
+                                      </p:cBhvr>
+                                    </p:cmd>
+                                  </p:childTnLst>
+                                </p:cTn>
+                              </p:par>
+                            </p:childTnLst>
+                          </p:cTn>
+                        </p:par>
+                      </p:childTnLst>
+                    </p:cTn>
+                  </p:par>
+                </p:childTnLst>
+              </p:cTn>
+              <p:prevCondLst>
+                <p:cond evt="onPrev" delay="0">
+                  <p:tgtEl>
+                    <p:sldTgt/>
+                  </p:tgtEl>
+                </p:cond>
+              </p:prevCondLst>
+              <p:nextCondLst>
+                <p:cond evt="onNext" delay="0">
+                  <p:tgtEl>
+                    <p:sldTgt/>
+                  </p:tgtEl>
+                </p:cond>
+              </p:nextCondLst>
+            </p:seq>
+            <p:video>
+              <p:cMediaNode vol="80000">
+                <p:cTn id="7" fill="hold" display="0">
+                  <p:stCondLst>
+                    <p:cond delay="indefinite"/>
+                  </p:stCondLst>
+                </p:cTn>
+                <p:tgtEl>
+                  <p:spTgt spid="3"/>
+                </p:tgtEl>
+              </p:cMediaNode>
+            </p:video>
+            <p:seq concurrent="1" nextAc="seek">
+              <p:cTn id="8" restart="whenNotActive" fill="hold" evtFilter="cancelBubble" nodeType="interactiveSeq">
+                <p:stCondLst>
+                  <p:cond evt="onClick" delay="0">
+                    <p:tgtEl>
+                      <p:spTgt spid="3"/>
+                    </p:tgtEl>
+                  </p:cond>
+                </p:stCondLst>
+                <p:endSync evt="end" delay="0">
+                  <p:rtn val="all"/>
+                </p:endSync>
+                <p:childTnLst>
+                  <p:par>
+                    <p:cTn id="9" fill="hold">
+                      <p:stCondLst>
+                        <p:cond delay="0"/>
+                      </p:stCondLst>
+                      <p:childTnLst>
+                        <p:par>
+                          <p:cTn id="10" fill="hold">
+                            <p:stCondLst>
+                              <p:cond delay="0"/>
+                            </p:stCondLst>
+                            <p:childTnLst>
+                              <p:par>
+                                <p:cTn id="11" presetID="2" presetClass="mediacall" presetSubtype="0" fill="hold" nodeType="clickEffect">
+                                  <p:stCondLst>
+                                    <p:cond delay="0"/>
+                                  </p:stCondLst>
+                                  <p:childTnLst>
+                                    <p:cmd type="call" cmd="togglePause">
+                                      <p:cBhvr>
+                                        <p:cTn id="12" dur="1" fill="hold"/>
+                                        <p:tgtEl>
+                                          <p:spTgt spid="3"/>
+                                        </p:tgtEl>
+                                      </p:cBhvr>
+                                    </p:cmd>
+                                  </p:childTnLst>
+                                </p:cTn>
+                              </p:par>
+                            </p:childTnLst>
+                          </p:cTn>
+                        </p:par>
+                      </p:childTnLst>
+                    </p:cTn>
+                  </p:par>
+                </p:childTnLst>
+              </p:cTn>
+              <p:nextCondLst>
+                <p:cond evt="onClick" delay="0">
+                  <p:tgtEl>
+                    <p:spTgt spid="3"/>
+                  </p:tgtEl>
+                </p:cond>
+              </p:nextCondLst>
+            </p:seq>
+          </p:childTnLst>
+        </p:cTn>
+      </p:par>
+    </p:tnLst>
+  </p:timing>
 </p:sld>
 </file>
 
 <file path=ppt/slides/slide15.xml><?xml version="1.0" encoding="utf-8"?>
+<p:sld xmlns:a="http://schemas.openxmlformats.org/drawingml/2006/main" xmlns:r="http://schemas.openxmlformats.org/officeDocument/2006/relationships" xmlns:p="http://schemas.openxmlformats.org/presentationml/2006/main">
+  <p:cSld>
+    <p:spTree>
+      <p:nvGrpSpPr>
+        <p:cNvPr id="1" name="Shape 61"/>
+        <p:cNvGrpSpPr/>
+        <p:nvPr/>
+      </p:nvGrpSpPr>
+      <p:grpSpPr>
+        <a:xfrm>
+          <a:off x="0" y="0"/>
+          <a:ext cx="0" cy="0"/>
+          <a:chOff x="0" y="0"/>
+          <a:chExt cx="0" cy="0"/>
+        </a:xfrm>
+      </p:grpSpPr>
+      <p:sp>
+        <p:nvSpPr>
+          <p:cNvPr id="62" name="Google Shape;62;p14"/>
+          <p:cNvSpPr txBox="1"/>
+          <p:nvPr/>
+        </p:nvSpPr>
+        <p:spPr>
+          <a:xfrm>
+            <a:off x="551275" y="110650"/>
+            <a:ext cx="6753300" cy="369000"/>
+          </a:xfrm>
+          <a:prstGeom prst="rect">
+            <a:avLst/>
+          </a:prstGeom>
+          <a:noFill/>
+          <a:ln>
+            <a:noFill/>
+          </a:ln>
+        </p:spPr>
+        <p:txBody>
+          <a:bodyPr spcFirstLastPara="1" wrap="square" lIns="91425" tIns="45700" rIns="91425" bIns="45700" anchor="t" anchorCtr="0">
+            <a:noAutofit/>
+          </a:bodyPr>
+          <a:lstStyle/>
+          <a:p>
+            <a:pPr>
+              <a:buClr>
+                <a:srgbClr val="253957"/>
+              </a:buClr>
+              <a:buSzPts val="7000"/>
+            </a:pPr>
+            <a:r>
+              <a:rPr lang="ru-RU" sz="3200" b="1" dirty="0">
+                <a:solidFill>
+                  <a:schemeClr val="tx1"/>
+                </a:solidFill>
+                <a:latin typeface="Roboto" panose="02000000000000000000" pitchFamily="2" charset="0"/>
+                <a:ea typeface="Roboto" panose="02000000000000000000" pitchFamily="2" charset="0"/>
+              </a:rPr>
+              <a:t>Источники</a:t>
+            </a:r>
+            <a:endParaRPr lang="ru-RU" sz="600" dirty="0">
+              <a:solidFill>
+                <a:schemeClr val="tx1"/>
+              </a:solidFill>
+              <a:latin typeface="Roboto" panose="02000000000000000000" pitchFamily="2" charset="0"/>
+              <a:ea typeface="Roboto" panose="02000000000000000000" pitchFamily="2" charset="0"/>
+            </a:endParaRPr>
+          </a:p>
+        </p:txBody>
+      </p:sp>
+      <p:pic>
+        <p:nvPicPr>
+          <p:cNvPr id="63" name="Google Shape;63;p14"/>
+          <p:cNvPicPr preferRelativeResize="0"/>
+          <p:nvPr/>
+        </p:nvPicPr>
+        <p:blipFill>
+          <a:blip r:embed="rId3">
+            <a:alphaModFix/>
+          </a:blip>
+          <a:stretch>
+            <a:fillRect/>
+          </a:stretch>
+        </p:blipFill>
+        <p:spPr>
+          <a:xfrm>
+            <a:off x="6733509" y="4530975"/>
+            <a:ext cx="2013299" cy="572783"/>
+          </a:xfrm>
+          <a:prstGeom prst="rect">
+            <a:avLst/>
+          </a:prstGeom>
+          <a:noFill/>
+          <a:ln>
+            <a:noFill/>
+          </a:ln>
+        </p:spPr>
+      </p:pic>
+      <p:cxnSp>
+        <p:nvCxnSpPr>
+          <p:cNvPr id="64" name="Google Shape;64;p14"/>
+          <p:cNvCxnSpPr>
+            <a:endCxn id="65" idx="2"/>
+          </p:cNvCxnSpPr>
+          <p:nvPr/>
+        </p:nvCxnSpPr>
+        <p:spPr>
+          <a:xfrm>
+            <a:off x="-24090" y="693999"/>
+            <a:ext cx="6909900" cy="0"/>
+          </a:xfrm>
+          <a:prstGeom prst="straightConnector1">
+            <a:avLst/>
+          </a:prstGeom>
+          <a:noFill/>
+          <a:ln w="76200" cap="flat" cmpd="sng">
+            <a:solidFill>
+              <a:srgbClr val="FFD745"/>
+            </a:solidFill>
+            <a:prstDash val="solid"/>
+            <a:round/>
+            <a:headEnd type="none" w="med" len="med"/>
+            <a:tailEnd type="none" w="med" len="med"/>
+          </a:ln>
+        </p:spPr>
+      </p:cxnSp>
+      <p:sp>
+        <p:nvSpPr>
+          <p:cNvPr id="65" name="Google Shape;65;p14"/>
+          <p:cNvSpPr/>
+          <p:nvPr/>
+        </p:nvSpPr>
+        <p:spPr>
+          <a:xfrm>
+            <a:off x="6885810" y="557049"/>
+            <a:ext cx="273900" cy="273900"/>
+          </a:xfrm>
+          <a:prstGeom prst="ellipse">
+            <a:avLst/>
+          </a:prstGeom>
+          <a:noFill/>
+          <a:ln w="76200" cap="flat" cmpd="sng">
+            <a:solidFill>
+              <a:srgbClr val="FFD745"/>
+            </a:solidFill>
+            <a:prstDash val="solid"/>
+            <a:round/>
+            <a:headEnd type="none" w="sm" len="sm"/>
+            <a:tailEnd type="none" w="sm" len="sm"/>
+          </a:ln>
+        </p:spPr>
+        <p:txBody>
+          <a:bodyPr spcFirstLastPara="1" wrap="square" lIns="91425" tIns="91425" rIns="91425" bIns="91425" anchor="ctr" anchorCtr="0">
+            <a:noAutofit/>
+          </a:bodyPr>
+          <a:lstStyle/>
+          <a:p>
+            <a:pPr marL="0" lvl="0" indent="0" algn="l" rtl="0">
+              <a:spcBef>
+                <a:spcPts val="0"/>
+              </a:spcBef>
+              <a:spcAft>
+                <a:spcPts val="0"/>
+              </a:spcAft>
+              <a:buNone/>
+            </a:pPr>
+            <a:endParaRPr/>
+          </a:p>
+        </p:txBody>
+      </p:sp>
+      <p:sp>
+        <p:nvSpPr>
+          <p:cNvPr id="2" name="Номер слайда 1">
+            <a:extLst>
+              <a:ext uri="{FF2B5EF4-FFF2-40B4-BE49-F238E27FC236}">
+                <a16:creationId xmlns:a16="http://schemas.microsoft.com/office/drawing/2014/main" id="{4D9ED8F9-EABD-C7B1-96D2-33F705258E5B}"/>
+              </a:ext>
+            </a:extLst>
+          </p:cNvPr>
+          <p:cNvSpPr>
+            <a:spLocks noGrp="1"/>
+          </p:cNvSpPr>
+          <p:nvPr>
+            <p:ph type="sldNum" idx="12"/>
+          </p:nvPr>
+        </p:nvSpPr>
+        <p:spPr/>
+        <p:txBody>
+          <a:bodyPr/>
+          <a:lstStyle/>
+          <a:p>
+            <a:pPr marL="0" lvl="0" indent="0" algn="r" rtl="0">
+              <a:spcBef>
+                <a:spcPts val="0"/>
+              </a:spcBef>
+              <a:spcAft>
+                <a:spcPts val="0"/>
+              </a:spcAft>
+              <a:buNone/>
+            </a:pPr>
+            <a:fld id="{00000000-1234-1234-1234-123412341234}" type="slidenum">
+              <a:rPr lang="ru" smtClean="0"/>
+              <a:t>15</a:t>
+            </a:fld>
+            <a:endParaRPr lang="ru"/>
+          </a:p>
+        </p:txBody>
+      </p:sp>
+      <p:sp>
+        <p:nvSpPr>
+          <p:cNvPr id="9" name="TextBox 8">
+            <a:extLst>
+              <a:ext uri="{FF2B5EF4-FFF2-40B4-BE49-F238E27FC236}">
+                <a16:creationId xmlns:a16="http://schemas.microsoft.com/office/drawing/2014/main" id="{FD76346A-B15F-D146-70BE-B9769E806308}"/>
+              </a:ext>
+            </a:extLst>
+          </p:cNvPr>
+          <p:cNvSpPr txBox="1"/>
+          <p:nvPr/>
+        </p:nvSpPr>
+        <p:spPr>
+          <a:xfrm>
+            <a:off x="551275" y="1633240"/>
+            <a:ext cx="6302460" cy="2095445"/>
+          </a:xfrm>
+          <a:prstGeom prst="rect">
+            <a:avLst/>
+          </a:prstGeom>
+          <a:noFill/>
+        </p:spPr>
+        <p:txBody>
+          <a:bodyPr wrap="square">
+            <a:spAutoFit/>
+          </a:bodyPr>
+          <a:lstStyle/>
+          <a:p>
+            <a:pPr marL="361712" indent="-192881" algn="just">
+              <a:lnSpc>
+                <a:spcPct val="150000"/>
+              </a:lnSpc>
+              <a:buAutoNum type="arabicPeriod"/>
+            </a:pPr>
+            <a:r>
+              <a:rPr lang="en-US" sz="1100" dirty="0">
+                <a:solidFill>
+                  <a:schemeClr val="tx1"/>
+                </a:solidFill>
+                <a:latin typeface="Roboto" panose="02000000000000000000" pitchFamily="2" charset="0"/>
+                <a:ea typeface="Roboto" panose="02000000000000000000" pitchFamily="2" charset="0"/>
+              </a:rPr>
+              <a:t>XPath [</a:t>
+            </a:r>
+            <a:r>
+              <a:rPr lang="ru-RU" sz="1100" dirty="0">
+                <a:solidFill>
+                  <a:schemeClr val="tx1"/>
+                </a:solidFill>
+                <a:latin typeface="Roboto" panose="02000000000000000000" pitchFamily="2" charset="0"/>
+                <a:ea typeface="Roboto" panose="02000000000000000000" pitchFamily="2" charset="0"/>
+              </a:rPr>
+              <a:t>Электронный ресурс] </a:t>
+            </a:r>
+            <a:r>
+              <a:rPr lang="en-US" sz="1100" dirty="0">
+                <a:solidFill>
+                  <a:schemeClr val="tx1"/>
+                </a:solidFill>
+                <a:latin typeface="Roboto" panose="02000000000000000000" pitchFamily="2" charset="0"/>
+                <a:ea typeface="Roboto" panose="02000000000000000000" pitchFamily="2" charset="0"/>
+              </a:rPr>
+              <a:t>URL: </a:t>
+            </a:r>
+            <a:r>
+              <a:rPr lang="en-US" sz="1100" dirty="0">
+                <a:solidFill>
+                  <a:schemeClr val="tx1"/>
+                </a:solidFill>
+                <a:latin typeface="Roboto" panose="02000000000000000000" pitchFamily="2" charset="0"/>
+                <a:ea typeface="Roboto" panose="02000000000000000000" pitchFamily="2" charset="0"/>
+                <a:hlinkClick r:id="rId4"/>
+              </a:rPr>
+              <a:t>https://ru.wikipedia.org/wiki/XPath</a:t>
+            </a:r>
+            <a:r>
+              <a:rPr lang="en-US" sz="1100" dirty="0">
+                <a:solidFill>
+                  <a:schemeClr val="tx1"/>
+                </a:solidFill>
+                <a:latin typeface="Roboto" panose="02000000000000000000" pitchFamily="2" charset="0"/>
+                <a:ea typeface="Roboto" panose="02000000000000000000" pitchFamily="2" charset="0"/>
+              </a:rPr>
+              <a:t>, </a:t>
+            </a:r>
+            <a:r>
+              <a:rPr lang="ru-RU" sz="1100" dirty="0">
+                <a:solidFill>
+                  <a:schemeClr val="tx1"/>
+                </a:solidFill>
+                <a:latin typeface="Roboto" panose="02000000000000000000" pitchFamily="2" charset="0"/>
+                <a:ea typeface="Roboto" panose="02000000000000000000" pitchFamily="2" charset="0"/>
+              </a:rPr>
+              <a:t>режим доступа: свободный, дата обращения: </a:t>
+            </a:r>
+            <a:r>
+              <a:rPr lang="en-US" sz="1100" dirty="0">
+                <a:solidFill>
+                  <a:schemeClr val="tx1"/>
+                </a:solidFill>
+                <a:latin typeface="Roboto" panose="02000000000000000000" pitchFamily="2" charset="0"/>
+                <a:ea typeface="Roboto" panose="02000000000000000000" pitchFamily="2" charset="0"/>
+              </a:rPr>
+              <a:t>15</a:t>
+            </a:r>
+            <a:r>
+              <a:rPr lang="ru-RU" sz="1100" dirty="0">
+                <a:solidFill>
+                  <a:schemeClr val="tx1"/>
+                </a:solidFill>
+                <a:latin typeface="Roboto" panose="02000000000000000000" pitchFamily="2" charset="0"/>
+                <a:ea typeface="Roboto" panose="02000000000000000000" pitchFamily="2" charset="0"/>
+              </a:rPr>
+              <a:t>.05.202</a:t>
+            </a:r>
+            <a:r>
+              <a:rPr lang="en-US" sz="1100" dirty="0">
+                <a:solidFill>
+                  <a:schemeClr val="tx1"/>
+                </a:solidFill>
+                <a:latin typeface="Roboto" panose="02000000000000000000" pitchFamily="2" charset="0"/>
+                <a:ea typeface="Roboto" panose="02000000000000000000" pitchFamily="2" charset="0"/>
+              </a:rPr>
+              <a:t>2</a:t>
+            </a:r>
+            <a:endParaRPr lang="ru-RU" sz="1100" dirty="0">
+              <a:solidFill>
+                <a:schemeClr val="tx1"/>
+              </a:solidFill>
+              <a:latin typeface="Roboto" panose="02000000000000000000" pitchFamily="2" charset="0"/>
+              <a:ea typeface="Roboto" panose="02000000000000000000" pitchFamily="2" charset="0"/>
+            </a:endParaRPr>
+          </a:p>
+          <a:p>
+            <a:pPr marL="361712" indent="-192881" algn="just">
+              <a:lnSpc>
+                <a:spcPct val="150000"/>
+              </a:lnSpc>
+              <a:buAutoNum type="arabicPeriod"/>
+            </a:pPr>
+            <a:r>
+              <a:rPr lang="en-US" sz="1100" dirty="0">
+                <a:solidFill>
+                  <a:schemeClr val="tx1"/>
+                </a:solidFill>
+                <a:latin typeface="Roboto" panose="02000000000000000000" pitchFamily="2" charset="0"/>
+                <a:ea typeface="Roboto" panose="02000000000000000000" pitchFamily="2" charset="0"/>
+              </a:rPr>
+              <a:t>Scrape and extract raw HTML from webpage without getting blocked</a:t>
+            </a:r>
+            <a:r>
+              <a:rPr lang="ru-RU" sz="1100" dirty="0">
+                <a:solidFill>
+                  <a:schemeClr val="tx1"/>
+                </a:solidFill>
+                <a:latin typeface="Roboto" panose="02000000000000000000" pitchFamily="2" charset="0"/>
+                <a:ea typeface="Roboto" panose="02000000000000000000" pitchFamily="2" charset="0"/>
+              </a:rPr>
+              <a:t> </a:t>
+            </a:r>
+            <a:r>
+              <a:rPr lang="en-US" sz="1100" dirty="0">
+                <a:solidFill>
+                  <a:schemeClr val="tx1"/>
+                </a:solidFill>
+                <a:latin typeface="Roboto" panose="02000000000000000000" pitchFamily="2" charset="0"/>
+                <a:ea typeface="Roboto" panose="02000000000000000000" pitchFamily="2" charset="0"/>
+              </a:rPr>
+              <a:t>[</a:t>
+            </a:r>
+            <a:r>
+              <a:rPr lang="ru-RU" sz="1100" dirty="0">
+                <a:solidFill>
+                  <a:schemeClr val="tx1"/>
+                </a:solidFill>
+                <a:latin typeface="Roboto" panose="02000000000000000000" pitchFamily="2" charset="0"/>
+                <a:ea typeface="Roboto" panose="02000000000000000000" pitchFamily="2" charset="0"/>
+              </a:rPr>
+              <a:t>Электронный ресурс] </a:t>
+            </a:r>
+            <a:r>
+              <a:rPr lang="en-US" sz="1100" dirty="0">
+                <a:solidFill>
+                  <a:schemeClr val="tx1"/>
+                </a:solidFill>
+                <a:latin typeface="Roboto" panose="02000000000000000000" pitchFamily="2" charset="0"/>
+                <a:ea typeface="Roboto" panose="02000000000000000000" pitchFamily="2" charset="0"/>
+              </a:rPr>
+              <a:t>URL: </a:t>
+            </a:r>
+            <a:r>
+              <a:rPr lang="en-US" sz="1100" dirty="0">
+                <a:solidFill>
+                  <a:schemeClr val="tx1"/>
+                </a:solidFill>
+                <a:latin typeface="Roboto" panose="02000000000000000000" pitchFamily="2" charset="0"/>
+                <a:ea typeface="Roboto" panose="02000000000000000000" pitchFamily="2" charset="0"/>
+                <a:hlinkClick r:id="rId4"/>
+              </a:rPr>
+              <a:t>https://www.scraping-bot.io/web-scraping-api-raw-html</a:t>
+            </a:r>
+            <a:r>
+              <a:rPr lang="ru-RU" sz="1100" dirty="0">
+                <a:solidFill>
+                  <a:schemeClr val="tx1"/>
+                </a:solidFill>
+                <a:latin typeface="Roboto" panose="02000000000000000000" pitchFamily="2" charset="0"/>
+                <a:ea typeface="Roboto" panose="02000000000000000000" pitchFamily="2" charset="0"/>
+              </a:rPr>
+              <a:t>  режим доступа: свободный, дата обращения: </a:t>
+            </a:r>
+            <a:r>
+              <a:rPr lang="en-US" sz="1100" dirty="0">
+                <a:solidFill>
+                  <a:schemeClr val="tx1"/>
+                </a:solidFill>
+                <a:latin typeface="Roboto" panose="02000000000000000000" pitchFamily="2" charset="0"/>
+                <a:ea typeface="Roboto" panose="02000000000000000000" pitchFamily="2" charset="0"/>
+              </a:rPr>
+              <a:t>15</a:t>
+            </a:r>
+            <a:r>
+              <a:rPr lang="ru-RU" sz="1100" dirty="0">
+                <a:solidFill>
+                  <a:schemeClr val="tx1"/>
+                </a:solidFill>
+                <a:latin typeface="Roboto" panose="02000000000000000000" pitchFamily="2" charset="0"/>
+                <a:ea typeface="Roboto" panose="02000000000000000000" pitchFamily="2" charset="0"/>
+              </a:rPr>
+              <a:t>.05.202</a:t>
+            </a:r>
+            <a:r>
+              <a:rPr lang="en-US" sz="1100" dirty="0">
+                <a:solidFill>
+                  <a:schemeClr val="tx1"/>
+                </a:solidFill>
+                <a:latin typeface="Roboto" panose="02000000000000000000" pitchFamily="2" charset="0"/>
+                <a:ea typeface="Roboto" panose="02000000000000000000" pitchFamily="2" charset="0"/>
+              </a:rPr>
+              <a:t>2</a:t>
+            </a:r>
+            <a:endParaRPr lang="ru-RU" sz="1100" dirty="0">
+              <a:solidFill>
+                <a:schemeClr val="tx1"/>
+              </a:solidFill>
+              <a:latin typeface="Roboto" panose="02000000000000000000" pitchFamily="2" charset="0"/>
+              <a:ea typeface="Roboto" panose="02000000000000000000" pitchFamily="2" charset="0"/>
+            </a:endParaRPr>
+          </a:p>
+          <a:p>
+            <a:pPr marL="361712" indent="-192881" algn="just">
+              <a:lnSpc>
+                <a:spcPct val="150000"/>
+              </a:lnSpc>
+              <a:buAutoNum type="arabicPeriod"/>
+            </a:pPr>
+            <a:r>
+              <a:rPr lang="ru-RU" sz="1100" dirty="0">
+                <a:solidFill>
+                  <a:schemeClr val="tx1"/>
+                </a:solidFill>
+                <a:latin typeface="Roboto" panose="02000000000000000000" pitchFamily="2" charset="0"/>
+                <a:ea typeface="Roboto" panose="02000000000000000000" pitchFamily="2" charset="0"/>
+              </a:rPr>
+              <a:t>Как найти </a:t>
+            </a:r>
+            <a:r>
+              <a:rPr lang="en-US" sz="1100" dirty="0">
+                <a:solidFill>
+                  <a:schemeClr val="tx1"/>
+                </a:solidFill>
+                <a:latin typeface="Roboto" panose="02000000000000000000" pitchFamily="2" charset="0"/>
+                <a:ea typeface="Roboto" panose="02000000000000000000" pitchFamily="2" charset="0"/>
+              </a:rPr>
+              <a:t>XPath </a:t>
+            </a:r>
+            <a:r>
+              <a:rPr lang="ru-RU" sz="1100" dirty="0">
+                <a:solidFill>
+                  <a:schemeClr val="tx1"/>
+                </a:solidFill>
+                <a:latin typeface="Roboto" panose="02000000000000000000" pitchFamily="2" charset="0"/>
+                <a:ea typeface="Roboto" panose="02000000000000000000" pitchFamily="2" charset="0"/>
+              </a:rPr>
+              <a:t>цены?. </a:t>
+            </a:r>
+            <a:r>
+              <a:rPr lang="en-US" sz="1100" dirty="0">
+                <a:solidFill>
+                  <a:schemeClr val="tx1"/>
+                </a:solidFill>
+                <a:latin typeface="Roboto" panose="02000000000000000000" pitchFamily="2" charset="0"/>
+                <a:ea typeface="Roboto" panose="02000000000000000000" pitchFamily="2" charset="0"/>
+              </a:rPr>
+              <a:t>[</a:t>
+            </a:r>
+            <a:r>
+              <a:rPr lang="ru-RU" sz="1100" dirty="0">
+                <a:solidFill>
+                  <a:schemeClr val="tx1"/>
+                </a:solidFill>
+                <a:latin typeface="Roboto" panose="02000000000000000000" pitchFamily="2" charset="0"/>
+                <a:ea typeface="Roboto" panose="02000000000000000000" pitchFamily="2" charset="0"/>
+              </a:rPr>
+              <a:t>Электронный ресурс] </a:t>
+            </a:r>
+            <a:r>
+              <a:rPr lang="en-US" sz="1100" dirty="0">
+                <a:solidFill>
+                  <a:schemeClr val="tx1"/>
+                </a:solidFill>
+                <a:latin typeface="Roboto" panose="02000000000000000000" pitchFamily="2" charset="0"/>
+                <a:ea typeface="Roboto" panose="02000000000000000000" pitchFamily="2" charset="0"/>
+              </a:rPr>
+              <a:t>URL: </a:t>
+            </a:r>
+            <a:r>
+              <a:rPr lang="en-US" sz="1100" dirty="0">
+                <a:solidFill>
+                  <a:schemeClr val="tx1"/>
+                </a:solidFill>
+                <a:latin typeface="Roboto" panose="02000000000000000000" pitchFamily="2" charset="0"/>
+                <a:ea typeface="Roboto" panose="02000000000000000000" pitchFamily="2" charset="0"/>
+                <a:hlinkClick r:id="rId4"/>
+              </a:rPr>
+              <a:t>https://longing-nylon-fe0.notion.site/XPath-3d0ea6bf1efb4e94bb20ab2aed98ff8e </a:t>
+            </a:r>
+            <a:r>
+              <a:rPr lang="ru-RU" sz="1100" dirty="0">
+                <a:solidFill>
+                  <a:schemeClr val="tx1"/>
+                </a:solidFill>
+                <a:latin typeface="Roboto" panose="02000000000000000000" pitchFamily="2" charset="0"/>
+                <a:ea typeface="Roboto" panose="02000000000000000000" pitchFamily="2" charset="0"/>
+              </a:rPr>
+              <a:t>режим доступа: свободный, дата обращения: </a:t>
+            </a:r>
+            <a:r>
+              <a:rPr lang="en-US" sz="1100" dirty="0">
+                <a:solidFill>
+                  <a:schemeClr val="tx1"/>
+                </a:solidFill>
+                <a:latin typeface="Roboto" panose="02000000000000000000" pitchFamily="2" charset="0"/>
+                <a:ea typeface="Roboto" panose="02000000000000000000" pitchFamily="2" charset="0"/>
+              </a:rPr>
+              <a:t>15</a:t>
+            </a:r>
+            <a:r>
+              <a:rPr lang="ru-RU" sz="1100" dirty="0">
+                <a:solidFill>
+                  <a:schemeClr val="tx1"/>
+                </a:solidFill>
+                <a:latin typeface="Roboto" panose="02000000000000000000" pitchFamily="2" charset="0"/>
+                <a:ea typeface="Roboto" panose="02000000000000000000" pitchFamily="2" charset="0"/>
+              </a:rPr>
+              <a:t>.05.202</a:t>
+            </a:r>
+            <a:r>
+              <a:rPr lang="en-US" sz="1100" dirty="0">
+                <a:solidFill>
+                  <a:schemeClr val="tx1"/>
+                </a:solidFill>
+                <a:latin typeface="Roboto" panose="02000000000000000000" pitchFamily="2" charset="0"/>
+                <a:ea typeface="Roboto" panose="02000000000000000000" pitchFamily="2" charset="0"/>
+              </a:rPr>
+              <a:t>2</a:t>
+            </a:r>
+            <a:endParaRPr lang="ru-RU" sz="1100" dirty="0">
+              <a:solidFill>
+                <a:schemeClr val="tx1"/>
+              </a:solidFill>
+              <a:latin typeface="Roboto" panose="02000000000000000000" pitchFamily="2" charset="0"/>
+              <a:ea typeface="Roboto" panose="02000000000000000000" pitchFamily="2" charset="0"/>
+            </a:endParaRPr>
+          </a:p>
+        </p:txBody>
+      </p:sp>
+    </p:spTree>
+    <p:extLst>
+      <p:ext uri="{BB962C8B-B14F-4D97-AF65-F5344CB8AC3E}">
+        <p14:creationId xmlns:p14="http://schemas.microsoft.com/office/powerpoint/2010/main" val="835670827"/>
+      </p:ext>
+    </p:extLst>
+  </p:cSld>
+  <p:clrMapOvr>
+    <a:masterClrMapping/>
+  </p:clrMapOvr>
+</p:sld>
+</file>
+
+<file path=ppt/slides/slide16.xml><?xml version="1.0" encoding="utf-8"?>
 <p:sld xmlns:a="http://schemas.openxmlformats.org/drawingml/2006/main" xmlns:r="http://schemas.openxmlformats.org/officeDocument/2006/relationships" xmlns:p="http://schemas.openxmlformats.org/presentationml/2006/main">
   <p:cSld>
     <p:spTree>

--- a/docs/Бакытбек_уулу_Презентация.pptx
+++ b/docs/Бакытбек_уулу_Презентация.pptx
@@ -7254,7 +7254,7 @@
         </p:blipFill>
         <p:spPr bwMode="auto">
           <a:xfrm>
-            <a:off x="0" y="1005036"/>
+            <a:off x="0" y="1026467"/>
             <a:ext cx="3415457" cy="4138464"/>
           </a:xfrm>
           <a:prstGeom prst="rect">
@@ -7678,6 +7678,53 @@
           <a:prstGeom prst="rect">
             <a:avLst/>
           </a:prstGeom>
+        </p:spPr>
+      </p:pic>
+      <p:pic>
+        <p:nvPicPr>
+          <p:cNvPr id="1026" name="Picture 2" descr="Бренд Тинькофф">
+            <a:extLst>
+              <a:ext uri="{FF2B5EF4-FFF2-40B4-BE49-F238E27FC236}">
+                <a16:creationId xmlns:a16="http://schemas.microsoft.com/office/drawing/2014/main" id="{2D2A1C41-D405-D51E-5F5A-E0DFFBF054E9}"/>
+              </a:ext>
+            </a:extLst>
+          </p:cNvPr>
+          <p:cNvPicPr>
+            <a:picLocks noChangeAspect="1" noChangeArrowheads="1"/>
+          </p:cNvPicPr>
+          <p:nvPr/>
+        </p:nvPicPr>
+        <p:blipFill>
+          <a:blip r:embed="rId7">
+            <a:extLst>
+              <a:ext uri="{28A0092B-C50C-407E-A947-70E740481C1C}">
+                <a14:useLocalDpi xmlns:a14="http://schemas.microsoft.com/office/drawing/2010/main" val="0"/>
+              </a:ext>
+            </a:extLst>
+          </a:blip>
+          <a:srcRect/>
+          <a:stretch>
+            <a:fillRect/>
+          </a:stretch>
+        </p:blipFill>
+        <p:spPr bwMode="auto">
+          <a:xfrm>
+            <a:off x="91810" y="60531"/>
+            <a:ext cx="2751403" cy="878920"/>
+          </a:xfrm>
+          <a:prstGeom prst="rect">
+            <a:avLst/>
+          </a:prstGeom>
+          <a:noFill/>
+          <a:extLst>
+            <a:ext uri="{909E8E84-426E-40DD-AFC4-6F175D3DCCD1}">
+              <a14:hiddenFill xmlns:a14="http://schemas.microsoft.com/office/drawing/2010/main">
+                <a:solidFill>
+                  <a:srgbClr val="FFFFFF"/>
+                </a:solidFill>
+              </a14:hiddenFill>
+            </a:ext>
+          </a:extLst>
         </p:spPr>
       </p:pic>
     </p:spTree>
